--- a/Chapter12.pptx
+++ b/Chapter12.pptx
@@ -5,7 +5,7 @@
     <p:sldMasterId id="2147483660" r:id="rId1"/>
   </p:sldMasterIdLst>
   <p:notesMasterIdLst>
-    <p:notesMasterId r:id="rId29"/>
+    <p:notesMasterId r:id="rId33"/>
   </p:notesMasterIdLst>
   <p:sldIdLst>
     <p:sldId id="256" r:id="rId2"/>
@@ -34,7 +34,11 @@
     <p:sldId id="278" r:id="rId25"/>
     <p:sldId id="279" r:id="rId26"/>
     <p:sldId id="281" r:id="rId27"/>
-    <p:sldId id="280" r:id="rId28"/>
+    <p:sldId id="283" r:id="rId28"/>
+    <p:sldId id="284" r:id="rId29"/>
+    <p:sldId id="285" r:id="rId30"/>
+    <p:sldId id="286" r:id="rId31"/>
+    <p:sldId id="280" r:id="rId32"/>
   </p:sldIdLst>
   <p:sldSz cx="12192000" cy="6858000"/>
   <p:notesSz cx="6858000" cy="9144000"/>
@@ -133,6 +137,11 @@
       </a:defRPr>
     </a:lvl9pPr>
   </p:defaultTextStyle>
+  <p:extLst>
+    <p:ext uri="{EFAFB233-063F-42B5-8137-9DF3F51BA10A}">
+      <p15:sldGuideLst xmlns:p15="http://schemas.microsoft.com/office/powerpoint/2012/main"/>
+    </p:ext>
+  </p:extLst>
 </p:presentation>
 </file>
 
@@ -6924,7 +6933,7 @@
         </p:nvSpPr>
         <p:spPr>
           <a:xfrm>
-            <a:off x="961071" y="652388"/>
+            <a:off x="1075319" y="783388"/>
             <a:ext cx="10489249" cy="1400530"/>
           </a:xfrm>
         </p:spPr>
@@ -7109,7 +7118,7 @@
         </p:nvSpPr>
         <p:spPr>
           <a:xfrm>
-            <a:off x="961071" y="652388"/>
+            <a:off x="1001261" y="857902"/>
             <a:ext cx="10489249" cy="1400530"/>
           </a:xfrm>
         </p:spPr>
@@ -8418,7 +8427,7 @@
         </p:nvSpPr>
         <p:spPr>
           <a:xfrm>
-            <a:off x="1489391" y="493358"/>
+            <a:off x="1366916" y="679572"/>
             <a:ext cx="9404723" cy="1400530"/>
           </a:xfrm>
         </p:spPr>
@@ -9636,26 +9645,12 @@
           </a:p>
           <a:p>
             <a:r>
+              <a:rPr lang="en-GB"/>
+              <a:t>Building </a:t>
+            </a:r>
+            <a:r>
               <a:rPr lang="en-GB" dirty="0"/>
-              <a:t>Precision Agriculture</a:t>
-            </a:r>
-          </a:p>
-          <a:p>
-            <a:r>
-              <a:rPr lang="en-GB" dirty="0"/>
-              <a:t>Building Automation</a:t>
-            </a:r>
-          </a:p>
-          <a:p>
-            <a:r>
-              <a:rPr lang="en-GB" dirty="0"/>
-              <a:t>Electric Vehicle Infrastructure</a:t>
-            </a:r>
-          </a:p>
-          <a:p>
-            <a:r>
-              <a:rPr lang="en-GB" dirty="0"/>
-              <a:t>Environmental Monitoring and Conservation</a:t>
+              <a:t>Automation</a:t>
             </a:r>
           </a:p>
           <a:p>
@@ -9727,69 +9722,82 @@
       </p:grpSpPr>
       <p:sp>
         <p:nvSpPr>
-          <p:cNvPr id="4" name="Rectangle 3">
+          <p:cNvPr id="2" name="Title 1">
             <a:extLst>
               <a:ext uri="{FF2B5EF4-FFF2-40B4-BE49-F238E27FC236}">
-                <a16:creationId xmlns:a16="http://schemas.microsoft.com/office/drawing/2014/main" id="{15D3301C-099C-25A2-E864-F9DA7C9D036B}"/>
+                <a16:creationId xmlns:a16="http://schemas.microsoft.com/office/drawing/2014/main" id="{59F5422D-1827-98E8-5F72-B6920F008D64}"/>
               </a:ext>
             </a:extLst>
           </p:cNvPr>
-          <p:cNvSpPr/>
-          <p:nvPr/>
+          <p:cNvSpPr>
+            <a:spLocks noGrp="1"/>
+          </p:cNvSpPr>
+          <p:nvPr>
+            <p:ph type="title"/>
+          </p:nvPr>
         </p:nvSpPr>
         <p:spPr>
           <a:xfrm>
-            <a:off x="2234277" y="2351313"/>
-            <a:ext cx="7723446" cy="1446550"/>
+            <a:off x="1103312" y="779289"/>
+            <a:ext cx="9404723" cy="1400530"/>
           </a:xfrm>
-          <a:prstGeom prst="rect">
-            <a:avLst/>
-          </a:prstGeom>
-          <a:noFill/>
         </p:spPr>
         <p:txBody>
-          <a:bodyPr wrap="square" lIns="91440" tIns="45720" rIns="91440" bIns="45720">
-            <a:spAutoFit/>
-          </a:bodyPr>
-          <a:lstStyle/>
-          <a:p>
-            <a:pPr algn="ctr"/>
-            <a:r>
-              <a:rPr lang="en-US" sz="8800" b="1" cap="none" spc="0" dirty="0">
-                <a:ln/>
-                <a:pattFill prst="dkUpDiag">
-                  <a:fgClr>
-                    <a:schemeClr val="bg1">
-                      <a:lumMod val="50000"/>
-                    </a:schemeClr>
-                  </a:fgClr>
-                  <a:bgClr>
-                    <a:schemeClr val="tx1">
-                      <a:lumMod val="75000"/>
-                      <a:lumOff val="25000"/>
-                    </a:schemeClr>
-                  </a:bgClr>
-                </a:pattFill>
-                <a:effectLst>
-                  <a:outerShdw blurRad="38100" dist="19050" dir="2700000" algn="tl" rotWithShape="0">
-                    <a:schemeClr val="dk1">
-                      <a:lumMod val="50000"/>
-                      <a:alpha val="40000"/>
-                    </a:schemeClr>
-                  </a:outerShdw>
-                </a:effectLst>
-              </a:rPr>
-              <a:t>THANK YOU</a:t>
-            </a:r>
-          </a:p>
-        </p:txBody>
-      </p:sp>
-      <p:sp>
-        <p:nvSpPr>
-          <p:cNvPr id="8" name="Slide Number Placeholder 7">
+          <a:bodyPr/>
+          <a:lstStyle/>
+          <a:p>
+            <a:r>
+              <a:rPr lang="en-US" dirty="0"/>
+              <a:t>Smart Grid Integration</a:t>
+            </a:r>
+          </a:p>
+        </p:txBody>
+      </p:sp>
+      <p:sp>
+        <p:nvSpPr>
+          <p:cNvPr id="3" name="Content Placeholder 2">
             <a:extLst>
               <a:ext uri="{FF2B5EF4-FFF2-40B4-BE49-F238E27FC236}">
-                <a16:creationId xmlns:a16="http://schemas.microsoft.com/office/drawing/2014/main" id="{2C78D211-CBBB-3B2F-07D5-446C79CA4EEC}"/>
+                <a16:creationId xmlns:a16="http://schemas.microsoft.com/office/drawing/2014/main" id="{239DC0C2-C3AE-96A7-1EE8-53FECDB12B46}"/>
+              </a:ext>
+            </a:extLst>
+          </p:cNvPr>
+          <p:cNvSpPr>
+            <a:spLocks noGrp="1"/>
+          </p:cNvSpPr>
+          <p:nvPr>
+            <p:ph idx="1"/>
+          </p:nvPr>
+        </p:nvSpPr>
+        <p:spPr/>
+        <p:txBody>
+          <a:bodyPr/>
+          <a:lstStyle/>
+          <a:p>
+            <a:r>
+              <a:rPr lang="en-GB" dirty="0"/>
+              <a:t>Process </a:t>
+            </a:r>
+            <a:r>
+              <a:rPr lang="en-US" dirty="0"/>
+              <a:t>of using digital technologies, sensors, and software to connect electricity networks to the power grid</a:t>
+            </a:r>
+          </a:p>
+          <a:p>
+            <a:r>
+              <a:rPr lang="en-US" dirty="0"/>
+              <a:t> This allows for two-way communication between the utility and its customers, as well as the sensing of transmission lines</a:t>
+            </a:r>
+            <a:endParaRPr lang="en-GB" dirty="0"/>
+          </a:p>
+        </p:txBody>
+      </p:sp>
+      <p:sp>
+        <p:nvSpPr>
+          <p:cNvPr id="6" name="Slide Number Placeholder 5">
+            <a:extLst>
+              <a:ext uri="{FF2B5EF4-FFF2-40B4-BE49-F238E27FC236}">
+                <a16:creationId xmlns:a16="http://schemas.microsoft.com/office/drawing/2014/main" id="{11A3808C-CE4D-2725-B189-3873A714BDE0}"/>
               </a:ext>
             </a:extLst>
           </p:cNvPr>
@@ -9816,7 +9824,322 @@
     </p:spTree>
     <p:extLst>
       <p:ext uri="{BB962C8B-B14F-4D97-AF65-F5344CB8AC3E}">
-        <p14:creationId xmlns:p14="http://schemas.microsoft.com/office/powerpoint/2010/main" val="3043242912"/>
+        <p14:creationId xmlns:p14="http://schemas.microsoft.com/office/powerpoint/2010/main" val="3607402824"/>
+      </p:ext>
+    </p:extLst>
+  </p:cSld>
+  <p:clrMapOvr>
+    <a:masterClrMapping/>
+  </p:clrMapOvr>
+</p:sld>
+</file>
+
+<file path=ppt/slides/slide28.xml><?xml version="1.0" encoding="utf-8"?>
+<p:sld xmlns:a="http://schemas.openxmlformats.org/drawingml/2006/main" xmlns:r="http://schemas.openxmlformats.org/officeDocument/2006/relationships" xmlns:p="http://schemas.openxmlformats.org/presentationml/2006/main">
+  <p:cSld>
+    <p:spTree>
+      <p:nvGrpSpPr>
+        <p:cNvPr id="1" name=""/>
+        <p:cNvGrpSpPr/>
+        <p:nvPr/>
+      </p:nvGrpSpPr>
+      <p:grpSpPr>
+        <a:xfrm>
+          <a:off x="0" y="0"/>
+          <a:ext cx="0" cy="0"/>
+          <a:chOff x="0" y="0"/>
+          <a:chExt cx="0" cy="0"/>
+        </a:xfrm>
+      </p:grpSpPr>
+      <p:sp>
+        <p:nvSpPr>
+          <p:cNvPr id="2" name="Title 1">
+            <a:extLst>
+              <a:ext uri="{FF2B5EF4-FFF2-40B4-BE49-F238E27FC236}">
+                <a16:creationId xmlns:a16="http://schemas.microsoft.com/office/drawing/2014/main" id="{59F5422D-1827-98E8-5F72-B6920F008D64}"/>
+              </a:ext>
+            </a:extLst>
+          </p:cNvPr>
+          <p:cNvSpPr>
+            <a:spLocks noGrp="1"/>
+          </p:cNvSpPr>
+          <p:nvPr>
+            <p:ph type="title"/>
+          </p:nvPr>
+        </p:nvSpPr>
+        <p:spPr>
+          <a:xfrm>
+            <a:off x="1103312" y="779289"/>
+            <a:ext cx="9404723" cy="1400530"/>
+          </a:xfrm>
+        </p:spPr>
+        <p:txBody>
+          <a:bodyPr/>
+          <a:lstStyle/>
+          <a:p>
+            <a:r>
+              <a:rPr lang="en-US" dirty="0"/>
+              <a:t>Smart Grids can help: </a:t>
+            </a:r>
+          </a:p>
+        </p:txBody>
+      </p:sp>
+      <p:sp>
+        <p:nvSpPr>
+          <p:cNvPr id="3" name="Content Placeholder 2">
+            <a:extLst>
+              <a:ext uri="{FF2B5EF4-FFF2-40B4-BE49-F238E27FC236}">
+                <a16:creationId xmlns:a16="http://schemas.microsoft.com/office/drawing/2014/main" id="{239DC0C2-C3AE-96A7-1EE8-53FECDB12B46}"/>
+              </a:ext>
+            </a:extLst>
+          </p:cNvPr>
+          <p:cNvSpPr>
+            <a:spLocks noGrp="1"/>
+          </p:cNvSpPr>
+          <p:nvPr>
+            <p:ph idx="1"/>
+          </p:nvPr>
+        </p:nvSpPr>
+        <p:spPr/>
+        <p:txBody>
+          <a:bodyPr>
+            <a:normAutofit lnSpcReduction="10000"/>
+          </a:bodyPr>
+          <a:lstStyle/>
+          <a:p>
+            <a:r>
+              <a:rPr lang="en-US" dirty="0"/>
+              <a:t>Monitor, measure, and control power flows: In real time, which can help identify losses</a:t>
+            </a:r>
+          </a:p>
+          <a:p>
+            <a:r>
+              <a:rPr lang="en-US" dirty="0"/>
+              <a:t>Manage and distribute renewable energy sources: Such as solar, wind, and hydrogen</a:t>
+            </a:r>
+          </a:p>
+          <a:p>
+            <a:r>
+              <a:rPr lang="en-US" dirty="0"/>
+              <a:t>Match supply and demand of electricity: In real time</a:t>
+            </a:r>
+          </a:p>
+          <a:p>
+            <a:r>
+              <a:rPr lang="en-US" dirty="0"/>
+              <a:t>Minimize costs: For utilities</a:t>
+            </a:r>
+          </a:p>
+          <a:p>
+            <a:r>
+              <a:rPr lang="en-US" dirty="0"/>
+              <a:t>Maintain the stability and reliability of the grid</a:t>
+            </a:r>
+          </a:p>
+          <a:p>
+            <a:r>
+              <a:rPr lang="en-US" dirty="0"/>
+              <a:t>Minimize environmental impacts</a:t>
+            </a:r>
+          </a:p>
+          <a:p>
+            <a:r>
+              <a:rPr lang="en-US" dirty="0"/>
+              <a:t>Maximize system reliability, resilience, flexibility, and stability</a:t>
+            </a:r>
+          </a:p>
+          <a:p>
+            <a:r>
+              <a:rPr lang="en-US" dirty="0"/>
+              <a:t>Improve the efficiency of electricity transmission</a:t>
+            </a:r>
+          </a:p>
+          <a:p>
+            <a:r>
+              <a:rPr lang="en-US" dirty="0"/>
+              <a:t>Speed up the restoration of electricity after power disturbances</a:t>
+            </a:r>
+          </a:p>
+          <a:p>
+            <a:pPr marL="0" indent="0">
+              <a:buNone/>
+            </a:pPr>
+            <a:endParaRPr lang="en-GB" dirty="0"/>
+          </a:p>
+        </p:txBody>
+      </p:sp>
+      <p:sp>
+        <p:nvSpPr>
+          <p:cNvPr id="6" name="Slide Number Placeholder 5">
+            <a:extLst>
+              <a:ext uri="{FF2B5EF4-FFF2-40B4-BE49-F238E27FC236}">
+                <a16:creationId xmlns:a16="http://schemas.microsoft.com/office/drawing/2014/main" id="{11A3808C-CE4D-2725-B189-3873A714BDE0}"/>
+              </a:ext>
+            </a:extLst>
+          </p:cNvPr>
+          <p:cNvSpPr>
+            <a:spLocks noGrp="1"/>
+          </p:cNvSpPr>
+          <p:nvPr>
+            <p:ph type="sldNum" sz="quarter" idx="12"/>
+          </p:nvPr>
+        </p:nvSpPr>
+        <p:spPr/>
+        <p:txBody>
+          <a:bodyPr/>
+          <a:lstStyle/>
+          <a:p>
+            <a:fld id="{99C2E9FA-DC97-4F3A-BFC1-96F68093D8AF}" type="slidenum">
+              <a:rPr lang="en-US" smtClean="0"/>
+              <a:t>28</a:t>
+            </a:fld>
+            <a:endParaRPr lang="en-US"/>
+          </a:p>
+        </p:txBody>
+      </p:sp>
+    </p:spTree>
+    <p:extLst>
+      <p:ext uri="{BB962C8B-B14F-4D97-AF65-F5344CB8AC3E}">
+        <p14:creationId xmlns:p14="http://schemas.microsoft.com/office/powerpoint/2010/main" val="756755507"/>
+      </p:ext>
+    </p:extLst>
+  </p:cSld>
+  <p:clrMapOvr>
+    <a:masterClrMapping/>
+  </p:clrMapOvr>
+</p:sld>
+</file>
+
+<file path=ppt/slides/slide29.xml><?xml version="1.0" encoding="utf-8"?>
+<p:sld xmlns:a="http://schemas.openxmlformats.org/drawingml/2006/main" xmlns:r="http://schemas.openxmlformats.org/officeDocument/2006/relationships" xmlns:p="http://schemas.openxmlformats.org/presentationml/2006/main">
+  <p:cSld>
+    <p:spTree>
+      <p:nvGrpSpPr>
+        <p:cNvPr id="1" name=""/>
+        <p:cNvGrpSpPr/>
+        <p:nvPr/>
+      </p:nvGrpSpPr>
+      <p:grpSpPr>
+        <a:xfrm>
+          <a:off x="0" y="0"/>
+          <a:ext cx="0" cy="0"/>
+          <a:chOff x="0" y="0"/>
+          <a:chExt cx="0" cy="0"/>
+        </a:xfrm>
+      </p:grpSpPr>
+      <p:sp>
+        <p:nvSpPr>
+          <p:cNvPr id="2" name="Title 1">
+            <a:extLst>
+              <a:ext uri="{FF2B5EF4-FFF2-40B4-BE49-F238E27FC236}">
+                <a16:creationId xmlns:a16="http://schemas.microsoft.com/office/drawing/2014/main" id="{59F5422D-1827-98E8-5F72-B6920F008D64}"/>
+              </a:ext>
+            </a:extLst>
+          </p:cNvPr>
+          <p:cNvSpPr>
+            <a:spLocks noGrp="1"/>
+          </p:cNvSpPr>
+          <p:nvPr>
+            <p:ph type="title"/>
+          </p:nvPr>
+        </p:nvSpPr>
+        <p:spPr>
+          <a:xfrm>
+            <a:off x="1103312" y="779289"/>
+            <a:ext cx="9404723" cy="1400530"/>
+          </a:xfrm>
+        </p:spPr>
+        <p:txBody>
+          <a:bodyPr/>
+          <a:lstStyle/>
+          <a:p>
+            <a:r>
+              <a:rPr lang="en-US" dirty="0"/>
+              <a:t>Building Automation</a:t>
+            </a:r>
+          </a:p>
+        </p:txBody>
+      </p:sp>
+      <p:sp>
+        <p:nvSpPr>
+          <p:cNvPr id="3" name="Content Placeholder 2">
+            <a:extLst>
+              <a:ext uri="{FF2B5EF4-FFF2-40B4-BE49-F238E27FC236}">
+                <a16:creationId xmlns:a16="http://schemas.microsoft.com/office/drawing/2014/main" id="{239DC0C2-C3AE-96A7-1EE8-53FECDB12B46}"/>
+              </a:ext>
+            </a:extLst>
+          </p:cNvPr>
+          <p:cNvSpPr>
+            <a:spLocks noGrp="1"/>
+          </p:cNvSpPr>
+          <p:nvPr>
+            <p:ph idx="1"/>
+          </p:nvPr>
+        </p:nvSpPr>
+        <p:spPr/>
+        <p:txBody>
+          <a:bodyPr/>
+          <a:lstStyle/>
+          <a:p>
+            <a:r>
+              <a:rPr lang="en-US" dirty="0"/>
+              <a:t>Building energy management system</a:t>
+            </a:r>
+          </a:p>
+          <a:p>
+            <a:r>
+              <a:rPr lang="en-US" dirty="0"/>
+              <a:t>Use of automation and control systems to monitor and control a building's systems</a:t>
+            </a:r>
+          </a:p>
+          <a:p>
+            <a:r>
+              <a:rPr lang="en-US" dirty="0"/>
+              <a:t>Include lighting, HVAC, alarms, security access, cameras, plumbing, elevators, vents, and more</a:t>
+            </a:r>
+          </a:p>
+          <a:p>
+            <a:r>
+              <a:rPr lang="en-US" dirty="0"/>
+              <a:t>integrate different building systems into one centralized location</a:t>
+            </a:r>
+            <a:endParaRPr lang="en-GB" dirty="0"/>
+          </a:p>
+        </p:txBody>
+      </p:sp>
+      <p:sp>
+        <p:nvSpPr>
+          <p:cNvPr id="6" name="Slide Number Placeholder 5">
+            <a:extLst>
+              <a:ext uri="{FF2B5EF4-FFF2-40B4-BE49-F238E27FC236}">
+                <a16:creationId xmlns:a16="http://schemas.microsoft.com/office/drawing/2014/main" id="{11A3808C-CE4D-2725-B189-3873A714BDE0}"/>
+              </a:ext>
+            </a:extLst>
+          </p:cNvPr>
+          <p:cNvSpPr>
+            <a:spLocks noGrp="1"/>
+          </p:cNvSpPr>
+          <p:nvPr>
+            <p:ph type="sldNum" sz="quarter" idx="12"/>
+          </p:nvPr>
+        </p:nvSpPr>
+        <p:spPr/>
+        <p:txBody>
+          <a:bodyPr/>
+          <a:lstStyle/>
+          <a:p>
+            <a:fld id="{99C2E9FA-DC97-4F3A-BFC1-96F68093D8AF}" type="slidenum">
+              <a:rPr lang="en-US" smtClean="0"/>
+              <a:t>29</a:t>
+            </a:fld>
+            <a:endParaRPr lang="en-US"/>
+          </a:p>
+        </p:txBody>
+      </p:sp>
+    </p:spTree>
+    <p:extLst>
+      <p:ext uri="{BB962C8B-B14F-4D97-AF65-F5344CB8AC3E}">
+        <p14:creationId xmlns:p14="http://schemas.microsoft.com/office/powerpoint/2010/main" val="329718030"/>
       </p:ext>
     </p:extLst>
   </p:cSld>
@@ -9969,6 +10292,285 @@
 </p:sld>
 </file>
 
+<file path=ppt/slides/slide30.xml><?xml version="1.0" encoding="utf-8"?>
+<p:sld xmlns:a="http://schemas.openxmlformats.org/drawingml/2006/main" xmlns:r="http://schemas.openxmlformats.org/officeDocument/2006/relationships" xmlns:p="http://schemas.openxmlformats.org/presentationml/2006/main">
+  <p:cSld>
+    <p:spTree>
+      <p:nvGrpSpPr>
+        <p:cNvPr id="1" name=""/>
+        <p:cNvGrpSpPr/>
+        <p:nvPr/>
+      </p:nvGrpSpPr>
+      <p:grpSpPr>
+        <a:xfrm>
+          <a:off x="0" y="0"/>
+          <a:ext cx="0" cy="0"/>
+          <a:chOff x="0" y="0"/>
+          <a:chExt cx="0" cy="0"/>
+        </a:xfrm>
+      </p:grpSpPr>
+      <p:sp>
+        <p:nvSpPr>
+          <p:cNvPr id="2" name="Title 1">
+            <a:extLst>
+              <a:ext uri="{FF2B5EF4-FFF2-40B4-BE49-F238E27FC236}">
+                <a16:creationId xmlns:a16="http://schemas.microsoft.com/office/drawing/2014/main" id="{59F5422D-1827-98E8-5F72-B6920F008D64}"/>
+              </a:ext>
+            </a:extLst>
+          </p:cNvPr>
+          <p:cNvSpPr>
+            <a:spLocks noGrp="1"/>
+          </p:cNvSpPr>
+          <p:nvPr>
+            <p:ph type="title"/>
+          </p:nvPr>
+        </p:nvSpPr>
+        <p:spPr>
+          <a:xfrm>
+            <a:off x="1103312" y="779289"/>
+            <a:ext cx="9404723" cy="1400530"/>
+          </a:xfrm>
+        </p:spPr>
+        <p:txBody>
+          <a:bodyPr/>
+          <a:lstStyle/>
+          <a:p>
+            <a:r>
+              <a:rPr lang="en-US" dirty="0"/>
+              <a:t> Systems of Automation</a:t>
+            </a:r>
+          </a:p>
+        </p:txBody>
+      </p:sp>
+      <p:sp>
+        <p:nvSpPr>
+          <p:cNvPr id="3" name="Content Placeholder 2">
+            <a:extLst>
+              <a:ext uri="{FF2B5EF4-FFF2-40B4-BE49-F238E27FC236}">
+                <a16:creationId xmlns:a16="http://schemas.microsoft.com/office/drawing/2014/main" id="{239DC0C2-C3AE-96A7-1EE8-53FECDB12B46}"/>
+              </a:ext>
+            </a:extLst>
+          </p:cNvPr>
+          <p:cNvSpPr>
+            <a:spLocks noGrp="1"/>
+          </p:cNvSpPr>
+          <p:nvPr>
+            <p:ph idx="1"/>
+          </p:nvPr>
+        </p:nvSpPr>
+        <p:spPr/>
+        <p:txBody>
+          <a:bodyPr>
+            <a:normAutofit/>
+          </a:bodyPr>
+          <a:lstStyle/>
+          <a:p>
+            <a:r>
+              <a:rPr lang="en-US" dirty="0"/>
+              <a:t>Heating, ventilation, and air conditioning (HVAC)</a:t>
+            </a:r>
+          </a:p>
+          <a:p>
+            <a:r>
+              <a:rPr lang="en-US" dirty="0"/>
+              <a:t>Lighting</a:t>
+            </a:r>
+          </a:p>
+          <a:p>
+            <a:r>
+              <a:rPr lang="en-US" dirty="0"/>
+              <a:t>Security and access control</a:t>
+            </a:r>
+          </a:p>
+          <a:p>
+            <a:r>
+              <a:rPr lang="en-US" dirty="0"/>
+              <a:t>Fire and flood safety</a:t>
+            </a:r>
+          </a:p>
+          <a:p>
+            <a:r>
+              <a:rPr lang="en-US" dirty="0"/>
+              <a:t>Energy management systems</a:t>
+            </a:r>
+          </a:p>
+          <a:p>
+            <a:r>
+              <a:rPr lang="en-US" dirty="0"/>
+              <a:t>Water treatment</a:t>
+            </a:r>
+          </a:p>
+          <a:p>
+            <a:r>
+              <a:rPr lang="en-US" dirty="0"/>
+              <a:t>Waste management</a:t>
+            </a:r>
+          </a:p>
+          <a:p>
+            <a:endParaRPr lang="en-GB" dirty="0"/>
+          </a:p>
+        </p:txBody>
+      </p:sp>
+      <p:sp>
+        <p:nvSpPr>
+          <p:cNvPr id="6" name="Slide Number Placeholder 5">
+            <a:extLst>
+              <a:ext uri="{FF2B5EF4-FFF2-40B4-BE49-F238E27FC236}">
+                <a16:creationId xmlns:a16="http://schemas.microsoft.com/office/drawing/2014/main" id="{11A3808C-CE4D-2725-B189-3873A714BDE0}"/>
+              </a:ext>
+            </a:extLst>
+          </p:cNvPr>
+          <p:cNvSpPr>
+            <a:spLocks noGrp="1"/>
+          </p:cNvSpPr>
+          <p:nvPr>
+            <p:ph type="sldNum" sz="quarter" idx="12"/>
+          </p:nvPr>
+        </p:nvSpPr>
+        <p:spPr/>
+        <p:txBody>
+          <a:bodyPr/>
+          <a:lstStyle/>
+          <a:p>
+            <a:fld id="{99C2E9FA-DC97-4F3A-BFC1-96F68093D8AF}" type="slidenum">
+              <a:rPr lang="en-US" smtClean="0"/>
+              <a:t>30</a:t>
+            </a:fld>
+            <a:endParaRPr lang="en-US"/>
+          </a:p>
+        </p:txBody>
+      </p:sp>
+    </p:spTree>
+    <p:extLst>
+      <p:ext uri="{BB962C8B-B14F-4D97-AF65-F5344CB8AC3E}">
+        <p14:creationId xmlns:p14="http://schemas.microsoft.com/office/powerpoint/2010/main" val="1664073509"/>
+      </p:ext>
+    </p:extLst>
+  </p:cSld>
+  <p:clrMapOvr>
+    <a:masterClrMapping/>
+  </p:clrMapOvr>
+</p:sld>
+</file>
+
+<file path=ppt/slides/slide31.xml><?xml version="1.0" encoding="utf-8"?>
+<p:sld xmlns:a="http://schemas.openxmlformats.org/drawingml/2006/main" xmlns:r="http://schemas.openxmlformats.org/officeDocument/2006/relationships" xmlns:p="http://schemas.openxmlformats.org/presentationml/2006/main">
+  <p:cSld>
+    <p:spTree>
+      <p:nvGrpSpPr>
+        <p:cNvPr id="1" name=""/>
+        <p:cNvGrpSpPr/>
+        <p:nvPr/>
+      </p:nvGrpSpPr>
+      <p:grpSpPr>
+        <a:xfrm>
+          <a:off x="0" y="0"/>
+          <a:ext cx="0" cy="0"/>
+          <a:chOff x="0" y="0"/>
+          <a:chExt cx="0" cy="0"/>
+        </a:xfrm>
+      </p:grpSpPr>
+      <p:sp>
+        <p:nvSpPr>
+          <p:cNvPr id="4" name="Rectangle 3">
+            <a:extLst>
+              <a:ext uri="{FF2B5EF4-FFF2-40B4-BE49-F238E27FC236}">
+                <a16:creationId xmlns:a16="http://schemas.microsoft.com/office/drawing/2014/main" id="{15D3301C-099C-25A2-E864-F9DA7C9D036B}"/>
+              </a:ext>
+            </a:extLst>
+          </p:cNvPr>
+          <p:cNvSpPr/>
+          <p:nvPr/>
+        </p:nvSpPr>
+        <p:spPr>
+          <a:xfrm>
+            <a:off x="2234277" y="2351313"/>
+            <a:ext cx="7723446" cy="1446550"/>
+          </a:xfrm>
+          <a:prstGeom prst="rect">
+            <a:avLst/>
+          </a:prstGeom>
+          <a:noFill/>
+        </p:spPr>
+        <p:txBody>
+          <a:bodyPr wrap="square" lIns="91440" tIns="45720" rIns="91440" bIns="45720">
+            <a:spAutoFit/>
+          </a:bodyPr>
+          <a:lstStyle/>
+          <a:p>
+            <a:pPr algn="ctr"/>
+            <a:r>
+              <a:rPr lang="en-US" sz="8800" b="1" cap="none" spc="0" dirty="0">
+                <a:ln/>
+                <a:pattFill prst="dkUpDiag">
+                  <a:fgClr>
+                    <a:schemeClr val="bg1">
+                      <a:lumMod val="50000"/>
+                    </a:schemeClr>
+                  </a:fgClr>
+                  <a:bgClr>
+                    <a:schemeClr val="tx1">
+                      <a:lumMod val="75000"/>
+                      <a:lumOff val="25000"/>
+                    </a:schemeClr>
+                  </a:bgClr>
+                </a:pattFill>
+                <a:effectLst>
+                  <a:outerShdw blurRad="38100" dist="19050" dir="2700000" algn="tl" rotWithShape="0">
+                    <a:schemeClr val="dk1">
+                      <a:lumMod val="50000"/>
+                      <a:alpha val="40000"/>
+                    </a:schemeClr>
+                  </a:outerShdw>
+                </a:effectLst>
+              </a:rPr>
+              <a:t>THANK YOU</a:t>
+            </a:r>
+          </a:p>
+        </p:txBody>
+      </p:sp>
+      <p:sp>
+        <p:nvSpPr>
+          <p:cNvPr id="8" name="Slide Number Placeholder 7">
+            <a:extLst>
+              <a:ext uri="{FF2B5EF4-FFF2-40B4-BE49-F238E27FC236}">
+                <a16:creationId xmlns:a16="http://schemas.microsoft.com/office/drawing/2014/main" id="{2C78D211-CBBB-3B2F-07D5-446C79CA4EEC}"/>
+              </a:ext>
+            </a:extLst>
+          </p:cNvPr>
+          <p:cNvSpPr>
+            <a:spLocks noGrp="1"/>
+          </p:cNvSpPr>
+          <p:nvPr>
+            <p:ph type="sldNum" sz="quarter" idx="12"/>
+          </p:nvPr>
+        </p:nvSpPr>
+        <p:spPr/>
+        <p:txBody>
+          <a:bodyPr/>
+          <a:lstStyle/>
+          <a:p>
+            <a:fld id="{99C2E9FA-DC97-4F3A-BFC1-96F68093D8AF}" type="slidenum">
+              <a:rPr lang="en-US" smtClean="0"/>
+              <a:t>31</a:t>
+            </a:fld>
+            <a:endParaRPr lang="en-US"/>
+          </a:p>
+        </p:txBody>
+      </p:sp>
+    </p:spTree>
+    <p:extLst>
+      <p:ext uri="{BB962C8B-B14F-4D97-AF65-F5344CB8AC3E}">
+        <p14:creationId xmlns:p14="http://schemas.microsoft.com/office/powerpoint/2010/main" val="3043242912"/>
+      </p:ext>
+    </p:extLst>
+  </p:cSld>
+  <p:clrMapOvr>
+    <a:masterClrMapping/>
+  </p:clrMapOvr>
+</p:sld>
+</file>
+
 <file path=ppt/slides/slide4.xml><?xml version="1.0" encoding="utf-8"?>
 <p:sld xmlns:a="http://schemas.openxmlformats.org/drawingml/2006/main" xmlns:r="http://schemas.openxmlformats.org/officeDocument/2006/relationships" xmlns:p="http://schemas.openxmlformats.org/presentationml/2006/main">
   <p:cSld>
@@ -10014,14 +10616,7 @@
           <a:p>
             <a:r>
               <a:rPr lang="en-US" dirty="0"/>
-              <a:t>Environment Management</a:t>
-            </a:r>
-            <a:br>
-              <a:rPr lang="en-US" dirty="0"/>
-            </a:br>
-            <a:r>
-              <a:rPr lang="en-US" dirty="0"/>
-              <a:t>Involves:</a:t>
+              <a:t>Environment Management Involves:</a:t>
             </a:r>
           </a:p>
         </p:txBody>
@@ -10044,7 +10639,7 @@
         </p:nvSpPr>
         <p:spPr>
           <a:xfrm>
-            <a:off x="1103312" y="2052918"/>
+            <a:off x="961071" y="2136894"/>
             <a:ext cx="10976928" cy="4195481"/>
           </a:xfrm>
         </p:spPr>
@@ -10163,7 +10758,7 @@
         </p:nvSpPr>
         <p:spPr>
           <a:xfrm>
-            <a:off x="961071" y="652388"/>
+            <a:off x="851375" y="865670"/>
             <a:ext cx="10489249" cy="1400530"/>
           </a:xfrm>
         </p:spPr>
@@ -10325,7 +10920,7 @@
         </p:nvSpPr>
         <p:spPr>
           <a:xfrm>
-            <a:off x="961071" y="652388"/>
+            <a:off x="1001261" y="857902"/>
             <a:ext cx="10489249" cy="1400530"/>
           </a:xfrm>
         </p:spPr>
@@ -10507,7 +11102,7 @@
         </p:nvSpPr>
         <p:spPr>
           <a:xfrm>
-            <a:off x="961071" y="652388"/>
+            <a:off x="1347151" y="861013"/>
             <a:ext cx="10489249" cy="1400530"/>
           </a:xfrm>
         </p:spPr>
@@ -10644,7 +11239,7 @@
         </p:nvSpPr>
         <p:spPr>
           <a:xfrm>
-            <a:off x="961071" y="652388"/>
+            <a:off x="1185005" y="801678"/>
             <a:ext cx="10489249" cy="1017792"/>
           </a:xfrm>
         </p:spPr>

--- a/Chapter12.pptx
+++ b/Chapter12.pptx
@@ -5,7 +5,7 @@
     <p:sldMasterId id="2147483660" r:id="rId1"/>
   </p:sldMasterIdLst>
   <p:notesMasterIdLst>
-    <p:notesMasterId r:id="rId33"/>
+    <p:notesMasterId r:id="rId35"/>
   </p:notesMasterIdLst>
   <p:sldIdLst>
     <p:sldId id="256" r:id="rId2"/>
@@ -38,7 +38,9 @@
     <p:sldId id="284" r:id="rId29"/>
     <p:sldId id="285" r:id="rId30"/>
     <p:sldId id="286" r:id="rId31"/>
-    <p:sldId id="280" r:id="rId32"/>
+    <p:sldId id="287" r:id="rId32"/>
+    <p:sldId id="288" r:id="rId33"/>
+    <p:sldId id="280" r:id="rId34"/>
   </p:sldIdLst>
   <p:sldSz cx="12192000" cy="6858000"/>
   <p:notesSz cx="6858000" cy="9144000"/>
@@ -10472,6 +10474,314 @@
       </p:grpSpPr>
       <p:sp>
         <p:nvSpPr>
+          <p:cNvPr id="2" name="Title 1">
+            <a:extLst>
+              <a:ext uri="{FF2B5EF4-FFF2-40B4-BE49-F238E27FC236}">
+                <a16:creationId xmlns:a16="http://schemas.microsoft.com/office/drawing/2014/main" id="{59F5422D-1827-98E8-5F72-B6920F008D64}"/>
+              </a:ext>
+            </a:extLst>
+          </p:cNvPr>
+          <p:cNvSpPr>
+            <a:spLocks noGrp="1"/>
+          </p:cNvSpPr>
+          <p:nvPr>
+            <p:ph type="title"/>
+          </p:nvPr>
+        </p:nvSpPr>
+        <p:spPr>
+          <a:xfrm>
+            <a:off x="1103312" y="779289"/>
+            <a:ext cx="9404723" cy="1400530"/>
+          </a:xfrm>
+        </p:spPr>
+        <p:txBody>
+          <a:bodyPr/>
+          <a:lstStyle/>
+          <a:p>
+            <a:r>
+              <a:rPr lang="en-US" dirty="0"/>
+              <a:t>Electric Vehicle Infrastructure</a:t>
+            </a:r>
+          </a:p>
+        </p:txBody>
+      </p:sp>
+      <p:sp>
+        <p:nvSpPr>
+          <p:cNvPr id="3" name="Content Placeholder 2">
+            <a:extLst>
+              <a:ext uri="{FF2B5EF4-FFF2-40B4-BE49-F238E27FC236}">
+                <a16:creationId xmlns:a16="http://schemas.microsoft.com/office/drawing/2014/main" id="{239DC0C2-C3AE-96A7-1EE8-53FECDB12B46}"/>
+              </a:ext>
+            </a:extLst>
+          </p:cNvPr>
+          <p:cNvSpPr>
+            <a:spLocks noGrp="1"/>
+          </p:cNvSpPr>
+          <p:nvPr>
+            <p:ph idx="1"/>
+          </p:nvPr>
+        </p:nvSpPr>
+        <p:spPr/>
+        <p:txBody>
+          <a:bodyPr>
+            <a:normAutofit/>
+          </a:bodyPr>
+          <a:lstStyle/>
+          <a:p>
+            <a:r>
+              <a:rPr lang="en-US" dirty="0"/>
+              <a:t>The network of charging stations, </a:t>
+            </a:r>
+          </a:p>
+          <a:p>
+            <a:r>
+              <a:rPr lang="en-US" dirty="0"/>
+              <a:t>Battery swapping stations,</a:t>
+            </a:r>
+          </a:p>
+          <a:p>
+            <a:r>
+              <a:rPr lang="en-US" dirty="0"/>
+              <a:t>And other supporting infrastructure that allow electric vehicles to be charged quickly and easily. </a:t>
+            </a:r>
+          </a:p>
+          <a:p>
+            <a:r>
+              <a:rPr lang="en-US" dirty="0"/>
+              <a:t>It can also refer to charging stations in general or the network of charging stations across a nation or region</a:t>
+            </a:r>
+            <a:endParaRPr lang="en-GB" dirty="0"/>
+          </a:p>
+        </p:txBody>
+      </p:sp>
+      <p:sp>
+        <p:nvSpPr>
+          <p:cNvPr id="6" name="Slide Number Placeholder 5">
+            <a:extLst>
+              <a:ext uri="{FF2B5EF4-FFF2-40B4-BE49-F238E27FC236}">
+                <a16:creationId xmlns:a16="http://schemas.microsoft.com/office/drawing/2014/main" id="{11A3808C-CE4D-2725-B189-3873A714BDE0}"/>
+              </a:ext>
+            </a:extLst>
+          </p:cNvPr>
+          <p:cNvSpPr>
+            <a:spLocks noGrp="1"/>
+          </p:cNvSpPr>
+          <p:nvPr>
+            <p:ph type="sldNum" sz="quarter" idx="12"/>
+          </p:nvPr>
+        </p:nvSpPr>
+        <p:spPr/>
+        <p:txBody>
+          <a:bodyPr/>
+          <a:lstStyle/>
+          <a:p>
+            <a:fld id="{99C2E9FA-DC97-4F3A-BFC1-96F68093D8AF}" type="slidenum">
+              <a:rPr lang="en-US" smtClean="0"/>
+              <a:t>31</a:t>
+            </a:fld>
+            <a:endParaRPr lang="en-US"/>
+          </a:p>
+        </p:txBody>
+      </p:sp>
+    </p:spTree>
+    <p:extLst>
+      <p:ext uri="{BB962C8B-B14F-4D97-AF65-F5344CB8AC3E}">
+        <p14:creationId xmlns:p14="http://schemas.microsoft.com/office/powerpoint/2010/main" val="1449760218"/>
+      </p:ext>
+    </p:extLst>
+  </p:cSld>
+  <p:clrMapOvr>
+    <a:masterClrMapping/>
+  </p:clrMapOvr>
+</p:sld>
+</file>
+
+<file path=ppt/slides/slide32.xml><?xml version="1.0" encoding="utf-8"?>
+<p:sld xmlns:a="http://schemas.openxmlformats.org/drawingml/2006/main" xmlns:r="http://schemas.openxmlformats.org/officeDocument/2006/relationships" xmlns:p="http://schemas.openxmlformats.org/presentationml/2006/main">
+  <p:cSld>
+    <p:spTree>
+      <p:nvGrpSpPr>
+        <p:cNvPr id="1" name=""/>
+        <p:cNvGrpSpPr/>
+        <p:nvPr/>
+      </p:nvGrpSpPr>
+      <p:grpSpPr>
+        <a:xfrm>
+          <a:off x="0" y="0"/>
+          <a:ext cx="0" cy="0"/>
+          <a:chOff x="0" y="0"/>
+          <a:chExt cx="0" cy="0"/>
+        </a:xfrm>
+      </p:grpSpPr>
+      <p:sp>
+        <p:nvSpPr>
+          <p:cNvPr id="2" name="Title 1">
+            <a:extLst>
+              <a:ext uri="{FF2B5EF4-FFF2-40B4-BE49-F238E27FC236}">
+                <a16:creationId xmlns:a16="http://schemas.microsoft.com/office/drawing/2014/main" id="{59F5422D-1827-98E8-5F72-B6920F008D64}"/>
+              </a:ext>
+            </a:extLst>
+          </p:cNvPr>
+          <p:cNvSpPr>
+            <a:spLocks noGrp="1"/>
+          </p:cNvSpPr>
+          <p:nvPr>
+            <p:ph type="title"/>
+          </p:nvPr>
+        </p:nvSpPr>
+        <p:spPr>
+          <a:xfrm>
+            <a:off x="1103312" y="779289"/>
+            <a:ext cx="9404723" cy="1400530"/>
+          </a:xfrm>
+        </p:spPr>
+        <p:txBody>
+          <a:bodyPr/>
+          <a:lstStyle/>
+          <a:p>
+            <a:r>
+              <a:rPr lang="en-US" dirty="0"/>
+              <a:t>Inclusions</a:t>
+            </a:r>
+          </a:p>
+        </p:txBody>
+      </p:sp>
+      <p:sp>
+        <p:nvSpPr>
+          <p:cNvPr id="3" name="Content Placeholder 2">
+            <a:extLst>
+              <a:ext uri="{FF2B5EF4-FFF2-40B4-BE49-F238E27FC236}">
+                <a16:creationId xmlns:a16="http://schemas.microsoft.com/office/drawing/2014/main" id="{239DC0C2-C3AE-96A7-1EE8-53FECDB12B46}"/>
+              </a:ext>
+            </a:extLst>
+          </p:cNvPr>
+          <p:cNvSpPr>
+            <a:spLocks noGrp="1"/>
+          </p:cNvSpPr>
+          <p:nvPr>
+            <p:ph idx="1"/>
+          </p:nvPr>
+        </p:nvSpPr>
+        <p:spPr/>
+        <p:txBody>
+          <a:bodyPr>
+            <a:normAutofit/>
+          </a:bodyPr>
+          <a:lstStyle/>
+          <a:p>
+            <a:r>
+              <a:rPr lang="en-US" dirty="0"/>
+              <a:t>Battery chargers</a:t>
+            </a:r>
+          </a:p>
+          <a:p>
+            <a:r>
+              <a:rPr lang="en-US" dirty="0"/>
+              <a:t>Rapid chargers</a:t>
+            </a:r>
+          </a:p>
+          <a:p>
+            <a:r>
+              <a:rPr lang="en-US" dirty="0"/>
+              <a:t>Battery exchange stations</a:t>
+            </a:r>
+          </a:p>
+          <a:p>
+            <a:r>
+              <a:rPr lang="en-US" dirty="0"/>
+              <a:t>Government agencies</a:t>
+            </a:r>
+          </a:p>
+          <a:p>
+            <a:r>
+              <a:rPr lang="en-US" dirty="0"/>
+              <a:t>Utility providers</a:t>
+            </a:r>
+          </a:p>
+          <a:p>
+            <a:r>
+              <a:rPr lang="en-US" dirty="0"/>
+              <a:t>Private charging networks</a:t>
+            </a:r>
+          </a:p>
+          <a:p>
+            <a:r>
+              <a:rPr lang="en-US" dirty="0"/>
+              <a:t>Car manufacturers</a:t>
+            </a:r>
+          </a:p>
+          <a:p>
+            <a:r>
+              <a:rPr lang="en-US" dirty="0"/>
+              <a:t>Charging infrastructure providers</a:t>
+            </a:r>
+          </a:p>
+          <a:p>
+            <a:endParaRPr lang="en-GB" dirty="0"/>
+          </a:p>
+        </p:txBody>
+      </p:sp>
+      <p:sp>
+        <p:nvSpPr>
+          <p:cNvPr id="6" name="Slide Number Placeholder 5">
+            <a:extLst>
+              <a:ext uri="{FF2B5EF4-FFF2-40B4-BE49-F238E27FC236}">
+                <a16:creationId xmlns:a16="http://schemas.microsoft.com/office/drawing/2014/main" id="{11A3808C-CE4D-2725-B189-3873A714BDE0}"/>
+              </a:ext>
+            </a:extLst>
+          </p:cNvPr>
+          <p:cNvSpPr>
+            <a:spLocks noGrp="1"/>
+          </p:cNvSpPr>
+          <p:nvPr>
+            <p:ph type="sldNum" sz="quarter" idx="12"/>
+          </p:nvPr>
+        </p:nvSpPr>
+        <p:spPr/>
+        <p:txBody>
+          <a:bodyPr/>
+          <a:lstStyle/>
+          <a:p>
+            <a:fld id="{99C2E9FA-DC97-4F3A-BFC1-96F68093D8AF}" type="slidenum">
+              <a:rPr lang="en-US" smtClean="0"/>
+              <a:t>32</a:t>
+            </a:fld>
+            <a:endParaRPr lang="en-US"/>
+          </a:p>
+        </p:txBody>
+      </p:sp>
+    </p:spTree>
+    <p:extLst>
+      <p:ext uri="{BB962C8B-B14F-4D97-AF65-F5344CB8AC3E}">
+        <p14:creationId xmlns:p14="http://schemas.microsoft.com/office/powerpoint/2010/main" val="4058244968"/>
+      </p:ext>
+    </p:extLst>
+  </p:cSld>
+  <p:clrMapOvr>
+    <a:masterClrMapping/>
+  </p:clrMapOvr>
+</p:sld>
+</file>
+
+<file path=ppt/slides/slide33.xml><?xml version="1.0" encoding="utf-8"?>
+<p:sld xmlns:a="http://schemas.openxmlformats.org/drawingml/2006/main" xmlns:r="http://schemas.openxmlformats.org/officeDocument/2006/relationships" xmlns:p="http://schemas.openxmlformats.org/presentationml/2006/main">
+  <p:cSld>
+    <p:spTree>
+      <p:nvGrpSpPr>
+        <p:cNvPr id="1" name=""/>
+        <p:cNvGrpSpPr/>
+        <p:nvPr/>
+      </p:nvGrpSpPr>
+      <p:grpSpPr>
+        <a:xfrm>
+          <a:off x="0" y="0"/>
+          <a:ext cx="0" cy="0"/>
+          <a:chOff x="0" y="0"/>
+          <a:chExt cx="0" cy="0"/>
+        </a:xfrm>
+      </p:grpSpPr>
+      <p:sp>
+        <p:nvSpPr>
           <p:cNvPr id="4" name="Rectangle 3">
             <a:extLst>
               <a:ext uri="{FF2B5EF4-FFF2-40B4-BE49-F238E27FC236}">
@@ -10552,7 +10862,7 @@
           <a:p>
             <a:fld id="{99C2E9FA-DC97-4F3A-BFC1-96F68093D8AF}" type="slidenum">
               <a:rPr lang="en-US" smtClean="0"/>
-              <a:t>31</a:t>
+              <a:t>33</a:t>
             </a:fld>
             <a:endParaRPr lang="en-US"/>
           </a:p>
